--- a/Homework/eng/2021200639/房价预测模型pre 邱丹绮2021200639.pptx
+++ b/Homework/eng/2021200639/房价预测模型pre 邱丹绮2021200639.pptx
@@ -123,7 +123,7 @@
             <a:srgbClr val="A4A3A4"/>
           </p15:clr>
         </p15:guide>
-        <p15:guide id="2" pos="3838" userDrawn="1">
+        <p15:guide id="2" pos="3802" userDrawn="1">
           <p15:clr>
             <a:srgbClr val="A4A3A4"/>
           </p15:clr>
@@ -8189,7 +8189,7 @@
         </p:nvSpPr>
         <p:spPr>
           <a:xfrm>
-            <a:off x="611575" y="3998030"/>
+            <a:off x="551250" y="3429070"/>
             <a:ext cx="10969200" cy="705600"/>
           </a:xfrm>
         </p:spPr>
@@ -8230,7 +8230,7 @@
         <p:spPr>
           <a:xfrm>
             <a:off x="535940" y="669925"/>
-            <a:ext cx="5476875" cy="4759325"/>
+            <a:ext cx="5476875" cy="3023235"/>
           </a:xfrm>
         </p:spPr>
         <p:txBody>
@@ -8468,8 +8468,8 @@
           </p:nvPr>
         </p:nvGraphicFramePr>
         <p:xfrm>
-          <a:off x="967740" y="5052695"/>
-          <a:ext cx="8951595" cy="890270"/>
+          <a:off x="552450" y="4134485"/>
+          <a:ext cx="10609580" cy="2170430"/>
         </p:xfrm>
         <a:graphic>
           <a:graphicData uri="http://schemas.openxmlformats.org/drawingml/2006/table">
@@ -8478,29 +8478,39 @@
                 <a:tableStyleId>{5940675A-B579-460E-94D1-54222C63F5DA}</a:tableStyleId>
               </a:tblPr>
               <a:tblGrid>
-                <a:gridCol w="2171700"/>
-                <a:gridCol w="2460625"/>
-                <a:gridCol w="2159635"/>
-                <a:gridCol w="2159635"/>
+                <a:gridCol w="2517775"/>
+                <a:gridCol w="1783080"/>
+                <a:gridCol w="2376170"/>
+                <a:gridCol w="1833245"/>
+                <a:gridCol w="2099310"/>
               </a:tblGrid>
               <a:tr h="519430">
                 <a:tc>
                   <a:txBody>
                     <a:bodyPr/>
                     <a:p>
+                      <a:pPr algn="ctr"/>
                       <a:r>
-                        <a:rPr lang="en-US" altLang="zh-CN" sz="1800" b="0" i="0" kern="1200" dirty="0">
+                        <a:rPr lang="en-US" altLang="zh-CN" sz="1800" b="1" i="0" kern="1200" dirty="0">
                           <a:solidFill>
                             <a:schemeClr val="tx1"/>
                           </a:solidFill>
                           <a:effectLst/>
-                          <a:latin typeface="+mn-lt"/>
+                          <a:latin typeface="Times New Roman Bold" panose="02020503050405090304" charset="0"/>
                           <a:ea typeface="+mn-ea"/>
-                          <a:cs typeface="+mn-cs"/>
+                          <a:cs typeface="Times New Roman Bold" panose="02020503050405090304" charset="0"/>
                         </a:rPr>
                         <a:t>Metrics</a:t>
                       </a:r>
-                      <a:endParaRPr lang="zh-CN" altLang="en-US" dirty="0"/>
+                      <a:endParaRPr lang="en-US" altLang="zh-CN" sz="1800" b="1" i="0" kern="1200" dirty="0">
+                        <a:solidFill>
+                          <a:schemeClr val="tx1"/>
+                        </a:solidFill>
+                        <a:effectLst/>
+                        <a:latin typeface="Times New Roman Bold" panose="02020503050405090304" charset="0"/>
+                        <a:ea typeface="+mn-ea"/>
+                        <a:cs typeface="Times New Roman Bold" panose="02020503050405090304" charset="0"/>
+                      </a:endParaRPr>
                     </a:p>
                   </a:txBody>
                   <a:tcPr/>
@@ -8509,31 +8519,35 @@
                   <a:txBody>
                     <a:bodyPr/>
                     <a:p>
+                      <a:pPr algn="ctr"/>
                       <a:r>
-                        <a:rPr lang="en-US" altLang="zh-CN" sz="1800" b="0" i="0" kern="1200" dirty="0" err="1">
+                        <a:rPr lang="en-US" altLang="zh-CN" sz="1800" b="1" i="0" kern="1200" dirty="0" err="1">
                           <a:solidFill>
                             <a:schemeClr val="tx1"/>
                           </a:solidFill>
                           <a:effectLst/>
-                          <a:latin typeface="+mn-lt"/>
+                          <a:latin typeface="Times New Roman Bold" panose="02020503050405090304" charset="0"/>
                           <a:ea typeface="+mn-ea"/>
-                          <a:cs typeface="+mn-cs"/>
+                          <a:cs typeface="Times New Roman Bold" panose="02020503050405090304" charset="0"/>
                         </a:rPr>
                         <a:t>Hackthon</a:t>
                       </a:r>
                       <a:r>
-                        <a:rPr lang="en-US" altLang="zh-CN" sz="1800" b="0" i="0" kern="1200" dirty="0">
+                        <a:rPr lang="en-US" altLang="zh-CN" sz="1800" b="1" i="0" kern="1200" dirty="0">
                           <a:solidFill>
                             <a:schemeClr val="tx1"/>
                           </a:solidFill>
                           <a:effectLst/>
-                          <a:latin typeface="+mn-lt"/>
+                          <a:latin typeface="Times New Roman Bold" panose="02020503050405090304" charset="0"/>
                           <a:ea typeface="+mn-ea"/>
-                          <a:cs typeface="+mn-cs"/>
+                          <a:cs typeface="Times New Roman Bold" panose="02020503050405090304" charset="0"/>
                         </a:rPr>
                         <a:t> Score</a:t>
                       </a:r>
-                      <a:endParaRPr lang="zh-CN" altLang="en-US" dirty="0"/>
+                      <a:endParaRPr lang="zh-CN" altLang="en-US" b="1" dirty="0">
+                        <a:latin typeface="Times New Roman Bold" panose="02020503050405090304" charset="0"/>
+                        <a:cs typeface="Times New Roman Bold" panose="02020503050405090304" charset="0"/>
+                      </a:endParaRPr>
                     </a:p>
                   </a:txBody>
                   <a:tcPr/>
@@ -8542,19 +8556,28 @@
                   <a:txBody>
                     <a:bodyPr/>
                     <a:p>
+                      <a:pPr algn="ctr"/>
                       <a:r>
-                        <a:rPr lang="en-US" altLang="zh-CN" sz="1800" b="0" i="0" kern="1200" dirty="0">
+                        <a:rPr lang="en-US" altLang="zh-CN" sz="1800" b="1" i="0" kern="1200" dirty="0">
                           <a:solidFill>
                             <a:schemeClr val="tx1"/>
                           </a:solidFill>
                           <a:effectLst/>
-                          <a:latin typeface="+mn-lt"/>
+                          <a:latin typeface="Times New Roman Bold" panose="02020503050405090304" charset="0"/>
                           <a:ea typeface="+mn-ea"/>
-                          <a:cs typeface="+mn-cs"/>
+                          <a:cs typeface="Times New Roman Bold" panose="02020503050405090304" charset="0"/>
                         </a:rPr>
-                        <a:t>In-sample </a:t>
+                        <a:t>MAE</a:t>
                       </a:r>
-                      <a:endParaRPr lang="zh-CN" altLang="en-US" dirty="0"/>
+                      <a:endParaRPr lang="en-US" altLang="zh-CN" sz="1800" b="1" i="0" kern="1200" dirty="0">
+                        <a:solidFill>
+                          <a:schemeClr val="tx1"/>
+                        </a:solidFill>
+                        <a:effectLst/>
+                        <a:latin typeface="Times New Roman Bold" panose="02020503050405090304" charset="0"/>
+                        <a:ea typeface="+mn-ea"/>
+                        <a:cs typeface="Times New Roman Bold" panose="02020503050405090304" charset="0"/>
+                      </a:endParaRPr>
                     </a:p>
                   </a:txBody>
                   <a:tcPr/>
@@ -8563,19 +8586,50 @@
                   <a:txBody>
                     <a:bodyPr/>
                     <a:p>
+                      <a:pPr algn="ctr"/>
                       <a:r>
-                        <a:rPr lang="en-US" altLang="zh-CN" sz="1800" b="0" i="0" kern="1200" dirty="0">
+                        <a:rPr lang="en-US" altLang="zh-CN" sz="1800" b="1" i="0" kern="1200" dirty="0">
                           <a:solidFill>
                             <a:schemeClr val="tx1"/>
                           </a:solidFill>
                           <a:effectLst/>
-                          <a:latin typeface="+mn-lt"/>
+                          <a:latin typeface="Times New Roman Bold" panose="02020503050405090304" charset="0"/>
                           <a:ea typeface="+mn-ea"/>
-                          <a:cs typeface="+mn-cs"/>
+                          <a:cs typeface="Times New Roman Bold" panose="02020503050405090304" charset="0"/>
                         </a:rPr>
-                        <a:t>Cross-validation</a:t>
+                        <a:t>RMSE</a:t>
                       </a:r>
-                      <a:endParaRPr lang="zh-CN" altLang="en-US" dirty="0"/>
+                      <a:endParaRPr lang="en-US" altLang="zh-CN" sz="1800" b="1" i="0" kern="1200" dirty="0">
+                        <a:solidFill>
+                          <a:schemeClr val="tx1"/>
+                        </a:solidFill>
+                        <a:effectLst/>
+                        <a:latin typeface="Times New Roman Bold" panose="02020503050405090304" charset="0"/>
+                        <a:ea typeface="+mn-ea"/>
+                        <a:cs typeface="Times New Roman Bold" panose="02020503050405090304" charset="0"/>
+                      </a:endParaRPr>
+                    </a:p>
+                  </a:txBody>
+                  <a:tcPr/>
+                </a:tc>
+                <a:tc>
+                  <a:txBody>
+                    <a:bodyPr/>
+                    <a:p>
+                      <a:pPr algn="ctr">
+                        <a:buNone/>
+                      </a:pPr>
+                      <a:r>
+                        <a:rPr lang="en-US" altLang="zh-CN" b="1" dirty="0">
+                          <a:latin typeface="Times New Roman Bold" panose="02020503050405090304" charset="0"/>
+                          <a:cs typeface="Times New Roman Bold" panose="02020503050405090304" charset="0"/>
+                        </a:rPr>
+                        <a:t>Median-AE</a:t>
+                      </a:r>
+                      <a:endParaRPr lang="en-US" altLang="zh-CN" b="1" dirty="0">
+                        <a:latin typeface="Times New Roman Bold" panose="02020503050405090304" charset="0"/>
+                        <a:cs typeface="Times New Roman Bold" panose="02020503050405090304" charset="0"/>
+                      </a:endParaRPr>
                     </a:p>
                   </a:txBody>
                   <a:tcPr/>
@@ -8586,15 +8640,18 @@
                   <a:txBody>
                     <a:bodyPr/>
                     <a:p>
+                      <a:pPr algn="ctr"/>
                       <a:r>
-                        <a:rPr lang="en-US" altLang="zh-CN" dirty="0"/>
-                        <a:t>Ensemble </a:t>
+                        <a:rPr lang="en-US" altLang="zh-CN" dirty="0">
+                          <a:latin typeface="Times New Roman Regular" panose="02020503050405090304" charset="0"/>
+                          <a:cs typeface="Times New Roman Regular" panose="02020503050405090304" charset="0"/>
+                        </a:rPr>
+                        <a:t>Ensemble model</a:t>
                       </a:r>
-                      <a:r>
-                        <a:rPr lang="en-US" altLang="zh-CN" dirty="0"/>
-                        <a:t>model</a:t>
-                      </a:r>
-                      <a:endParaRPr lang="en-US" altLang="zh-CN" dirty="0"/>
+                      <a:endParaRPr lang="en-US" altLang="zh-CN" dirty="0">
+                        <a:latin typeface="Times New Roman Regular" panose="02020503050405090304" charset="0"/>
+                        <a:cs typeface="Times New Roman Regular" panose="02020503050405090304" charset="0"/>
+                      </a:endParaRPr>
                     </a:p>
                   </a:txBody>
                   <a:tcPr/>
@@ -8603,11 +8660,18 @@
                   <a:txBody>
                     <a:bodyPr/>
                     <a:p>
+                      <a:pPr algn="ctr"/>
                       <a:r>
-                        <a:rPr lang="en-US" altLang="zh-CN" dirty="0"/>
+                        <a:rPr lang="en-US" altLang="zh-CN" dirty="0">
+                          <a:latin typeface="Times New Roman Regular" panose="02020503050405090304" charset="0"/>
+                          <a:cs typeface="Times New Roman Regular" panose="02020503050405090304" charset="0"/>
+                        </a:rPr>
                         <a:t>61.28</a:t>
                       </a:r>
-                      <a:endParaRPr lang="en-US" altLang="zh-CN" dirty="0"/>
+                      <a:endParaRPr lang="en-US" altLang="zh-CN" dirty="0">
+                        <a:latin typeface="Times New Roman Regular" panose="02020503050405090304" charset="0"/>
+                        <a:cs typeface="Times New Roman Regular" panose="02020503050405090304" charset="0"/>
+                      </a:endParaRPr>
                     </a:p>
                   </a:txBody>
                   <a:tcPr/>
@@ -8616,7 +8680,18 @@
                   <a:txBody>
                     <a:bodyPr/>
                     <a:p>
-                      <a:endParaRPr lang="zh-CN" altLang="en-US" dirty="0"/>
+                      <a:pPr algn="ctr"/>
+                      <a:r>
+                        <a:rPr lang="en-US" altLang="zh-CN" dirty="0">
+                          <a:latin typeface="Times New Roman Regular" panose="02020503050405090304" charset="0"/>
+                          <a:cs typeface="Times New Roman Regular" panose="02020503050405090304" charset="0"/>
+                        </a:rPr>
+                        <a:t>1.675224e+28</a:t>
+                      </a:r>
+                      <a:endParaRPr lang="en-US" altLang="zh-CN" dirty="0">
+                        <a:latin typeface="Times New Roman Regular" panose="02020503050405090304" charset="0"/>
+                        <a:cs typeface="Times New Roman Regular" panose="02020503050405090304" charset="0"/>
+                      </a:endParaRPr>
                     </a:p>
                   </a:txBody>
                   <a:tcPr/>
@@ -8625,7 +8700,278 @@
                   <a:txBody>
                     <a:bodyPr/>
                     <a:p>
-                      <a:endParaRPr lang="zh-CN" altLang="en-US" dirty="0"/>
+                      <a:pPr algn="ctr"/>
+                      <a:r>
+                        <a:rPr lang="en-US" altLang="zh-CN" dirty="0">
+                          <a:latin typeface="Times New Roman Regular" panose="02020503050405090304" charset="0"/>
+                          <a:cs typeface="Times New Roman Regular" panose="02020503050405090304" charset="0"/>
+                        </a:rPr>
+                        <a:t>2.064404e+30</a:t>
+                      </a:r>
+                      <a:endParaRPr lang="en-US" altLang="zh-CN" dirty="0">
+                        <a:latin typeface="Times New Roman Regular" panose="02020503050405090304" charset="0"/>
+                        <a:cs typeface="Times New Roman Regular" panose="02020503050405090304" charset="0"/>
+                      </a:endParaRPr>
+                    </a:p>
+                  </a:txBody>
+                  <a:tcPr/>
+                </a:tc>
+                <a:tc>
+                  <a:txBody>
+                    <a:bodyPr/>
+                    <a:p>
+                      <a:pPr algn="ctr">
+                        <a:buNone/>
+                      </a:pPr>
+                      <a:r>
+                        <a:rPr lang="en-US" altLang="zh-CN" dirty="0">
+                          <a:latin typeface="Times New Roman Regular" panose="02020503050405090304" charset="0"/>
+                          <a:cs typeface="Times New Roman Regular" panose="02020503050405090304" charset="0"/>
+                        </a:rPr>
+                        <a:t>77252.355</a:t>
+                      </a:r>
+                      <a:endParaRPr lang="en-US" altLang="zh-CN" dirty="0">
+                        <a:latin typeface="Times New Roman Regular" panose="02020503050405090304" charset="0"/>
+                        <a:cs typeface="Times New Roman Regular" panose="02020503050405090304" charset="0"/>
+                      </a:endParaRPr>
+                    </a:p>
+                  </a:txBody>
+                  <a:tcPr/>
+                </a:tc>
+              </a:tr>
+              <a:tr h="483235">
+                <a:tc>
+                  <a:txBody>
+                    <a:bodyPr/>
+                    <a:p>
+                      <a:pPr algn="ctr">
+                        <a:buNone/>
+                      </a:pPr>
+                      <a:r>
+                        <a:rPr lang="en-US" altLang="zh-CN" dirty="0">
+                          <a:latin typeface="Times New Roman Regular" panose="02020503050405090304" charset="0"/>
+                          <a:cs typeface="Times New Roman Regular" panose="02020503050405090304" charset="0"/>
+                        </a:rPr>
+                        <a:t>Random Forest（optuna</a:t>
+                      </a:r>
+                      <a:r>
+                        <a:rPr lang="zh-CN" altLang="en-US" dirty="0">
+                          <a:latin typeface="Times New Roman Regular" panose="02020503050405090304" charset="0"/>
+                          <a:cs typeface="Times New Roman Regular" panose="02020503050405090304" charset="0"/>
+                        </a:rPr>
+                        <a:t>优化</a:t>
+                      </a:r>
+                      <a:r>
+                        <a:rPr lang="en-US" altLang="zh-CN" dirty="0">
+                          <a:latin typeface="Times New Roman Regular" panose="02020503050405090304" charset="0"/>
+                          <a:cs typeface="Times New Roman Regular" panose="02020503050405090304" charset="0"/>
+                        </a:rPr>
+                        <a:t>）</a:t>
+                      </a:r>
+                      <a:endParaRPr lang="en-US" altLang="zh-CN" dirty="0">
+                        <a:latin typeface="Times New Roman Regular" panose="02020503050405090304" charset="0"/>
+                        <a:cs typeface="Times New Roman Regular" panose="02020503050405090304" charset="0"/>
+                      </a:endParaRPr>
+                    </a:p>
+                  </a:txBody>
+                  <a:tcPr/>
+                </a:tc>
+                <a:tc>
+                  <a:txBody>
+                    <a:bodyPr/>
+                    <a:p>
+                      <a:pPr algn="ctr">
+                        <a:buNone/>
+                      </a:pPr>
+                      <a:r>
+                        <a:rPr lang="en-US" altLang="zh-CN" dirty="0">
+                          <a:latin typeface="Times New Roman Regular" panose="02020503050405090304" charset="0"/>
+                          <a:cs typeface="Times New Roman Regular" panose="02020503050405090304" charset="0"/>
+                        </a:rPr>
+                        <a:t>57.814</a:t>
+                      </a:r>
+                      <a:endParaRPr lang="en-US" altLang="zh-CN" dirty="0">
+                        <a:latin typeface="Times New Roman Regular" panose="02020503050405090304" charset="0"/>
+                        <a:cs typeface="Times New Roman Regular" panose="02020503050405090304" charset="0"/>
+                      </a:endParaRPr>
+                    </a:p>
+                  </a:txBody>
+                  <a:tcPr/>
+                </a:tc>
+                <a:tc>
+                  <a:txBody>
+                    <a:bodyPr/>
+                    <a:p>
+                      <a:pPr algn="ctr">
+                        <a:buNone/>
+                      </a:pPr>
+                      <a:r>
+                        <a:rPr lang="en-US" altLang="zh-CN" dirty="0">
+                          <a:latin typeface="Times New Roman Regular" panose="02020503050405090304" charset="0"/>
+                          <a:cs typeface="Times New Roman Regular" panose="02020503050405090304" charset="0"/>
+                        </a:rPr>
+                        <a:t>110659.4086</a:t>
+                      </a:r>
+                      <a:endParaRPr lang="en-US" altLang="zh-CN" dirty="0">
+                        <a:latin typeface="Times New Roman Regular" panose="02020503050405090304" charset="0"/>
+                        <a:cs typeface="Times New Roman Regular" panose="02020503050405090304" charset="0"/>
+                      </a:endParaRPr>
+                    </a:p>
+                  </a:txBody>
+                  <a:tcPr/>
+                </a:tc>
+                <a:tc>
+                  <a:txBody>
+                    <a:bodyPr/>
+                    <a:p>
+                      <a:pPr algn="ctr">
+                        <a:buNone/>
+                      </a:pPr>
+                      <a:r>
+                        <a:rPr lang="en-US" altLang="zh-CN" dirty="0">
+                          <a:latin typeface="Times New Roman Regular" panose="02020503050405090304" charset="0"/>
+                          <a:cs typeface="Times New Roman Regular" panose="02020503050405090304" charset="0"/>
+                        </a:rPr>
+                        <a:t>187766.1720</a:t>
+                      </a:r>
+                      <a:endParaRPr lang="en-US" altLang="zh-CN" dirty="0">
+                        <a:latin typeface="Times New Roman Regular" panose="02020503050405090304" charset="0"/>
+                        <a:cs typeface="Times New Roman Regular" panose="02020503050405090304" charset="0"/>
+                      </a:endParaRPr>
+                    </a:p>
+                  </a:txBody>
+                  <a:tcPr/>
+                </a:tc>
+                <a:tc>
+                  <a:txBody>
+                    <a:bodyPr/>
+                    <a:p>
+                      <a:pPr algn="ctr">
+                        <a:buNone/>
+                      </a:pPr>
+                      <a:r>
+                        <a:rPr lang="en-US" altLang="zh-CN" dirty="0">
+                          <a:latin typeface="Times New Roman Regular" panose="02020503050405090304" charset="0"/>
+                          <a:cs typeface="Times New Roman Regular" panose="02020503050405090304" charset="0"/>
+                        </a:rPr>
+                        <a:t>63864.8168</a:t>
+                      </a:r>
+                      <a:endParaRPr lang="en-US" altLang="zh-CN" dirty="0">
+                        <a:latin typeface="Times New Roman Regular" panose="02020503050405090304" charset="0"/>
+                        <a:cs typeface="Times New Roman Regular" panose="02020503050405090304" charset="0"/>
+                      </a:endParaRPr>
+                    </a:p>
+                  </a:txBody>
+                  <a:tcPr/>
+                </a:tc>
+              </a:tr>
+              <a:tr h="370840">
+                <a:tc>
+                  <a:txBody>
+                    <a:bodyPr/>
+                    <a:p>
+                      <a:pPr algn="ctr">
+                        <a:buNone/>
+                      </a:pPr>
+                      <a:r>
+                        <a:rPr lang="en-US" altLang="zh-CN" dirty="0">
+                          <a:latin typeface="Times New Roman Regular" panose="02020503050405090304" charset="0"/>
+                          <a:cs typeface="Times New Roman Regular" panose="02020503050405090304" charset="0"/>
+                        </a:rPr>
+                        <a:t>ANN</a:t>
+                      </a:r>
+                      <a:endParaRPr lang="en-US" altLang="zh-CN" dirty="0">
+                        <a:latin typeface="Times New Roman Regular" panose="02020503050405090304" charset="0"/>
+                        <a:cs typeface="Times New Roman Regular" panose="02020503050405090304" charset="0"/>
+                      </a:endParaRPr>
+                    </a:p>
+                  </a:txBody>
+                  <a:tcPr/>
+                </a:tc>
+                <a:tc>
+                  <a:txBody>
+                    <a:bodyPr/>
+                    <a:p>
+                      <a:pPr algn="ctr">
+                        <a:buNone/>
+                      </a:pPr>
+                      <a:r>
+                        <a:rPr lang="en-US" altLang="zh-CN" dirty="0">
+                          <a:latin typeface="Times New Roman Regular" panose="02020503050405090304" charset="0"/>
+                          <a:cs typeface="Times New Roman Regular" panose="02020503050405090304" charset="0"/>
+                        </a:rPr>
+                        <a:t>61.706</a:t>
+                      </a:r>
+                      <a:endParaRPr lang="en-US" altLang="zh-CN" dirty="0">
+                        <a:latin typeface="Times New Roman Regular" panose="02020503050405090304" charset="0"/>
+                        <a:cs typeface="Times New Roman Regular" panose="02020503050405090304" charset="0"/>
+                      </a:endParaRPr>
+                    </a:p>
+                  </a:txBody>
+                  <a:tcPr/>
+                </a:tc>
+                <a:tc>
+                  <a:txBody>
+                    <a:bodyPr/>
+                    <a:p>
+                      <a:pPr algn="ctr">
+                        <a:buNone/>
+                      </a:pPr>
+                      <a:r>
+                        <a:rPr lang="en-US" altLang="zh-CN" dirty="0">
+                          <a:latin typeface="Times New Roman Regular" panose="02020503050405090304" charset="0"/>
+                          <a:cs typeface="Times New Roman Regular" panose="02020503050405090304" charset="0"/>
+                        </a:rPr>
+                        <a:t>2755911632042194651578368</a:t>
+                      </a:r>
+                      <a:endParaRPr lang="en-US" altLang="zh-CN" dirty="0">
+                        <a:latin typeface="Times New Roman Regular" panose="02020503050405090304" charset="0"/>
+                        <a:cs typeface="Times New Roman Regular" panose="02020503050405090304" charset="0"/>
+                      </a:endParaRPr>
+                    </a:p>
+                  </a:txBody>
+                  <a:tcPr/>
+                </a:tc>
+                <a:tc>
+                  <a:txBody>
+                    <a:bodyPr/>
+                    <a:p>
+                      <a:pPr algn="ctr">
+                        <a:buNone/>
+                      </a:pPr>
+                      <a:r>
+                        <a:rPr lang="en-US" altLang="zh-CN" dirty="0">
+                          <a:latin typeface="Times New Roman Regular" panose="02020503050405090304" charset="0"/>
+                          <a:cs typeface="Times New Roman Regular" panose="02020503050405090304" charset="0"/>
+                        </a:rPr>
+                        <a:t>3396150952978627665716051968</a:t>
+                      </a:r>
+                      <a:endParaRPr lang="en-US" altLang="zh-CN" dirty="0">
+                        <a:latin typeface="Times New Roman Regular" panose="02020503050405090304" charset="0"/>
+                        <a:cs typeface="Times New Roman Regular" panose="02020503050405090304" charset="0"/>
+                      </a:endParaRPr>
+                    </a:p>
+                  </a:txBody>
+                  <a:tcPr/>
+                </a:tc>
+                <a:tc>
+                  <a:txBody>
+                    <a:bodyPr/>
+                    <a:p>
+                      <a:pPr algn="ctr">
+                        <a:buNone/>
+                      </a:pPr>
+                      <a:r>
+                        <a:rPr lang="en-US" altLang="zh-CN" dirty="0">
+                          <a:latin typeface="Times New Roman Regular" panose="02020503050405090304" charset="0"/>
+                          <a:cs typeface="Times New Roman Regular" panose="02020503050405090304" charset="0"/>
+                        </a:rPr>
+                        <a:t>171666.7500</a:t>
+                      </a:r>
+                      <a:endParaRPr lang="en-US" altLang="zh-CN" dirty="0">
+                        <a:latin typeface="Times New Roman Regular" panose="02020503050405090304" charset="0"/>
+                        <a:cs typeface="Times New Roman Regular" panose="02020503050405090304" charset="0"/>
+                      </a:endParaRPr>
                     </a:p>
                   </a:txBody>
                   <a:tcPr/>
@@ -9554,8 +9900,8 @@
 
 <file path=ppt/tags/tag70.xml><?xml version="1.0" encoding="utf-8"?>
 <p:tagLst xmlns:p="http://schemas.openxmlformats.org/presentationml/2006/main">
-  <p:tag name="TABLE_ENDDRAG_ORIGIN_RECT" val="704*79"/>
-  <p:tag name="TABLE_ENDDRAG_RECT" val="76*397*704*79"/>
+  <p:tag name="TABLE_ENDDRAG_ORIGIN_RECT" val="732*149"/>
+  <p:tag name="TABLE_ENDDRAG_RECT" val="48*346*732*149"/>
 </p:tagLst>
 </file>
 
